--- a/ppt/theorie-pa40.pptx
+++ b/ppt/theorie-pa40.pptx
@@ -104,6 +104,11 @@
       </a:defRPr>
     </a:lvl9pPr>
   </p:defaultTextStyle>
+  <p:extLst>
+    <p:ext uri="{EFAFB233-063F-42B5-8137-9DF3F51BA10A}">
+      <p15:sldGuideLst xmlns:p15="http://schemas.microsoft.com/office/powerpoint/2012/main"/>
+    </p:ext>
+  </p:extLst>
 </p:presentation>
 </file>
 
@@ -254,7 +259,7 @@
           <a:p>
             <a:fld id="{0C0058DA-9833-564B-95FE-A7F9C1C7E468}" type="datetimeFigureOut">
               <a:rPr lang="fr-FR" smtClean="0"/>
-              <a:t>22/09/2025</a:t>
+              <a:t>23/09/2025</a:t>
             </a:fld>
             <a:endParaRPr lang="fr-FR"/>
           </a:p>
@@ -452,7 +457,7 @@
           <a:p>
             <a:fld id="{0C0058DA-9833-564B-95FE-A7F9C1C7E468}" type="datetimeFigureOut">
               <a:rPr lang="fr-FR" smtClean="0"/>
-              <a:t>22/09/2025</a:t>
+              <a:t>23/09/2025</a:t>
             </a:fld>
             <a:endParaRPr lang="fr-FR"/>
           </a:p>
@@ -660,7 +665,7 @@
           <a:p>
             <a:fld id="{0C0058DA-9833-564B-95FE-A7F9C1C7E468}" type="datetimeFigureOut">
               <a:rPr lang="fr-FR" smtClean="0"/>
-              <a:t>22/09/2025</a:t>
+              <a:t>23/09/2025</a:t>
             </a:fld>
             <a:endParaRPr lang="fr-FR"/>
           </a:p>
@@ -858,7 +863,7 @@
           <a:p>
             <a:fld id="{0C0058DA-9833-564B-95FE-A7F9C1C7E468}" type="datetimeFigureOut">
               <a:rPr lang="fr-FR" smtClean="0"/>
-              <a:t>22/09/2025</a:t>
+              <a:t>23/09/2025</a:t>
             </a:fld>
             <a:endParaRPr lang="fr-FR"/>
           </a:p>
@@ -1133,7 +1138,7 @@
           <a:p>
             <a:fld id="{0C0058DA-9833-564B-95FE-A7F9C1C7E468}" type="datetimeFigureOut">
               <a:rPr lang="fr-FR" smtClean="0"/>
-              <a:t>22/09/2025</a:t>
+              <a:t>23/09/2025</a:t>
             </a:fld>
             <a:endParaRPr lang="fr-FR"/>
           </a:p>
@@ -1398,7 +1403,7 @@
           <a:p>
             <a:fld id="{0C0058DA-9833-564B-95FE-A7F9C1C7E468}" type="datetimeFigureOut">
               <a:rPr lang="fr-FR" smtClean="0"/>
-              <a:t>22/09/2025</a:t>
+              <a:t>23/09/2025</a:t>
             </a:fld>
             <a:endParaRPr lang="fr-FR"/>
           </a:p>
@@ -1810,7 +1815,7 @@
           <a:p>
             <a:fld id="{0C0058DA-9833-564B-95FE-A7F9C1C7E468}" type="datetimeFigureOut">
               <a:rPr lang="fr-FR" smtClean="0"/>
-              <a:t>22/09/2025</a:t>
+              <a:t>23/09/2025</a:t>
             </a:fld>
             <a:endParaRPr lang="fr-FR"/>
           </a:p>
@@ -1951,7 +1956,7 @@
           <a:p>
             <a:fld id="{0C0058DA-9833-564B-95FE-A7F9C1C7E468}" type="datetimeFigureOut">
               <a:rPr lang="fr-FR" smtClean="0"/>
-              <a:t>22/09/2025</a:t>
+              <a:t>23/09/2025</a:t>
             </a:fld>
             <a:endParaRPr lang="fr-FR"/>
           </a:p>
@@ -2064,7 +2069,7 @@
           <a:p>
             <a:fld id="{0C0058DA-9833-564B-95FE-A7F9C1C7E468}" type="datetimeFigureOut">
               <a:rPr lang="fr-FR" smtClean="0"/>
-              <a:t>22/09/2025</a:t>
+              <a:t>23/09/2025</a:t>
             </a:fld>
             <a:endParaRPr lang="fr-FR"/>
           </a:p>
@@ -2375,7 +2380,7 @@
           <a:p>
             <a:fld id="{0C0058DA-9833-564B-95FE-A7F9C1C7E468}" type="datetimeFigureOut">
               <a:rPr lang="fr-FR" smtClean="0"/>
-              <a:t>22/09/2025</a:t>
+              <a:t>23/09/2025</a:t>
             </a:fld>
             <a:endParaRPr lang="fr-FR"/>
           </a:p>
@@ -2663,7 +2668,7 @@
           <a:p>
             <a:fld id="{0C0058DA-9833-564B-95FE-A7F9C1C7E468}" type="datetimeFigureOut">
               <a:rPr lang="fr-FR" smtClean="0"/>
-              <a:t>22/09/2025</a:t>
+              <a:t>23/09/2025</a:t>
             </a:fld>
             <a:endParaRPr lang="fr-FR"/>
           </a:p>
@@ -2904,7 +2909,7 @@
           <a:p>
             <a:fld id="{0C0058DA-9833-564B-95FE-A7F9C1C7E468}" type="datetimeFigureOut">
               <a:rPr lang="fr-FR" smtClean="0"/>
-              <a:t>22/09/2025</a:t>
+              <a:t>23/09/2025</a:t>
             </a:fld>
             <a:endParaRPr lang="fr-FR"/>
           </a:p>

--- a/ppt/theorie-pa40.pptx
+++ b/ppt/theorie-pa40.pptx
@@ -3673,7 +3673,7 @@
         </p:nvSpPr>
         <p:spPr>
           <a:xfrm>
-            <a:off x="4450019" y="5137602"/>
+            <a:off x="4331357" y="5988943"/>
             <a:ext cx="5725863" cy="369332"/>
           </a:xfrm>
           <a:prstGeom prst="rect">
@@ -3829,8 +3829,8 @@
         </p:nvSpPr>
         <p:spPr>
           <a:xfrm>
-            <a:off x="3858585" y="3211392"/>
-            <a:ext cx="2532296" cy="892552"/>
+            <a:off x="3868809" y="3205215"/>
+            <a:ext cx="2795517" cy="892552"/>
           </a:xfrm>
           <a:prstGeom prst="rect">
             <a:avLst/>
@@ -3848,7 +3848,7 @@
           </a:ln>
         </p:spPr>
         <p:txBody>
-          <a:bodyPr wrap="none" rtlCol="0">
+          <a:bodyPr wrap="square" rtlCol="0">
             <a:spAutoFit/>
           </a:bodyPr>
           <a:lstStyle/>
